--- a/FinalReport/final_presentation.pptx
+++ b/FinalReport/final_presentation.pptx
@@ -13102,7 +13102,7 @@
         <p:spPr>
           <a:xfrm>
             <a:off x="2592924" y="1456210"/>
-            <a:ext cx="4313864" cy="3777622"/>
+            <a:ext cx="4313864" cy="5065888"/>
           </a:xfrm>
         </p:spPr>
         <p:txBody>
@@ -13116,7 +13116,7 @@
               <a:buAutoNum type="arabicPeriod"/>
             </a:pPr>
             <a:r>
-              <a:rPr lang="en-GB" sz="2000" dirty="0"/>
+              <a:rPr lang="en-GB" dirty="0"/>
               <a:t>Create user1 in Desktop App</a:t>
             </a:r>
           </a:p>
@@ -13126,7 +13126,7 @@
               <a:buAutoNum type="arabicPeriod"/>
             </a:pPr>
             <a:r>
-              <a:rPr lang="en-GB" sz="2000" dirty="0"/>
+              <a:rPr lang="en-GB" dirty="0"/>
               <a:t>Login to user1 in Desktop App</a:t>
             </a:r>
           </a:p>
@@ -13136,7 +13136,7 @@
               <a:buAutoNum type="arabicPeriod"/>
             </a:pPr>
             <a:r>
-              <a:rPr lang="en-GB" sz="2000" dirty="0"/>
+              <a:rPr lang="en-GB" dirty="0"/>
               <a:t>Create user2 in Mobile App</a:t>
             </a:r>
           </a:p>
@@ -13146,7 +13146,7 @@
               <a:buAutoNum type="arabicPeriod"/>
             </a:pPr>
             <a:r>
-              <a:rPr lang="en-GB" sz="2000" dirty="0"/>
+              <a:rPr lang="en-GB" dirty="0"/>
               <a:t>Login to user2 in Mobile App</a:t>
             </a:r>
           </a:p>
@@ -13156,7 +13156,7 @@
               <a:buAutoNum type="arabicPeriod"/>
             </a:pPr>
             <a:r>
-              <a:rPr lang="en-GB" sz="2000" dirty="0"/>
+              <a:rPr lang="en-GB" dirty="0"/>
               <a:t>Show that when mobile App closes the user does not logout</a:t>
             </a:r>
           </a:p>
@@ -13166,7 +13166,7 @@
               <a:buAutoNum type="arabicPeriod"/>
             </a:pPr>
             <a:r>
-              <a:rPr lang="en-GB" sz="2000" dirty="0"/>
+              <a:rPr lang="en-GB" dirty="0"/>
               <a:t>Upload user2_file1 from mobile</a:t>
             </a:r>
           </a:p>
@@ -13176,7 +13176,7 @@
               <a:buAutoNum type="arabicPeriod"/>
             </a:pPr>
             <a:r>
-              <a:rPr lang="en-GB" sz="2000" dirty="0"/>
+              <a:rPr lang="en-GB" dirty="0"/>
               <a:t>Logout user1 from Desktop App</a:t>
             </a:r>
           </a:p>
@@ -13186,7 +13186,7 @@
               <a:buAutoNum type="arabicPeriod"/>
             </a:pPr>
             <a:r>
-              <a:rPr lang="en-GB" sz="2000" dirty="0"/>
+              <a:rPr lang="en-GB" dirty="0"/>
               <a:t>Login to user2 in Desktop App</a:t>
             </a:r>
           </a:p>
@@ -13196,12 +13196,29 @@
               <a:buAutoNum type="arabicPeriod"/>
             </a:pPr>
             <a:r>
-              <a:rPr lang="en-GB" sz="2000" dirty="0"/>
+              <a:rPr lang="en-GB" dirty="0"/>
               <a:t>Show that only files from user2 are visible</a:t>
             </a:r>
           </a:p>
           <a:p>
-            <a:endParaRPr lang="en-GB" sz="2000" dirty="0"/>
+            <a:pPr lvl="0">
+              <a:buFont typeface="+mj-lt"/>
+              <a:buAutoNum type="arabicPeriod"/>
+            </a:pPr>
+            <a:r>
+              <a:rPr lang="en-GB" dirty="0"/>
+              <a:t>Download &amp; Open user2_file1 in Desktop App</a:t>
+            </a:r>
+          </a:p>
+          <a:p>
+            <a:pPr lvl="0">
+              <a:buFont typeface="+mj-lt"/>
+              <a:buAutoNum type="arabicPeriod"/>
+            </a:pPr>
+            <a:endParaRPr lang="en-GB" dirty="0"/>
+          </a:p>
+          <a:p>
+            <a:endParaRPr lang="en-GB" dirty="0"/>
           </a:p>
         </p:txBody>
       </p:sp>
@@ -13233,107 +13250,107 @@
           </a:bodyPr>
           <a:lstStyle/>
           <a:p>
-            <a:pPr lvl="0">
+            <a:pPr marL="514350" lvl="0" indent="-514350">
               <a:lnSpc>
                 <a:spcPct val="120000"/>
               </a:lnSpc>
               <a:buFont typeface="+mj-lt"/>
-              <a:buAutoNum type="arabicPeriod" startAt="9"/>
+              <a:buAutoNum type="arabicPeriod" startAt="11"/>
             </a:pPr>
             <a:r>
               <a:rPr lang="en-GB" sz="3200" dirty="0"/>
-              <a:t>Download &amp; Open user2_file1 in Desktop App</a:t>
-            </a:r>
-          </a:p>
-          <a:p>
-            <a:pPr lvl="0">
+              <a:t>Edit &amp; Upload user2_file1 from desktop App</a:t>
+            </a:r>
+          </a:p>
+          <a:p>
+            <a:pPr marL="514350" lvl="0" indent="-514350">
               <a:lnSpc>
                 <a:spcPct val="120000"/>
               </a:lnSpc>
               <a:buFont typeface="+mj-lt"/>
-              <a:buAutoNum type="arabicPeriod" startAt="9"/>
+              <a:buAutoNum type="arabicPeriod" startAt="11"/>
             </a:pPr>
             <a:r>
               <a:rPr lang="en-GB" sz="3200" dirty="0"/>
-              <a:t> Edit &amp; Upload user2_file1 from desktop App</a:t>
-            </a:r>
-          </a:p>
-          <a:p>
-            <a:pPr lvl="0">
+              <a:t> Download user2_file1 from Mobile App and open it</a:t>
+            </a:r>
+          </a:p>
+          <a:p>
+            <a:pPr marL="514350" lvl="0" indent="-514350">
               <a:lnSpc>
                 <a:spcPct val="120000"/>
               </a:lnSpc>
               <a:buFont typeface="+mj-lt"/>
-              <a:buAutoNum type="arabicPeriod" startAt="9"/>
+              <a:buAutoNum type="arabicPeriod" startAt="11"/>
             </a:pPr>
             <a:r>
               <a:rPr lang="en-GB" sz="3200" dirty="0"/>
-              <a:t> Download user2_file1 from Mobile App and open it</a:t>
-            </a:r>
-          </a:p>
-          <a:p>
-            <a:pPr lvl="0">
+              <a:t> Edit user2_file1 in Mobile App and Upload it</a:t>
+            </a:r>
+          </a:p>
+          <a:p>
+            <a:pPr marL="514350" lvl="0" indent="-514350">
               <a:lnSpc>
                 <a:spcPct val="120000"/>
               </a:lnSpc>
               <a:buFont typeface="+mj-lt"/>
-              <a:buAutoNum type="arabicPeriod" startAt="9"/>
+              <a:buAutoNum type="arabicPeriod" startAt="11"/>
             </a:pPr>
             <a:r>
               <a:rPr lang="en-GB" sz="3200" dirty="0"/>
-              <a:t> Edit user2_file1 in Mobile App and Upload it</a:t>
-            </a:r>
-          </a:p>
-          <a:p>
-            <a:pPr lvl="0">
+              <a:t>  In Desktop App, Show the diff of conflict and force upload it</a:t>
+            </a:r>
+          </a:p>
+          <a:p>
+            <a:pPr marL="514350" lvl="0" indent="-514350">
               <a:lnSpc>
                 <a:spcPct val="120000"/>
               </a:lnSpc>
               <a:buFont typeface="+mj-lt"/>
-              <a:buAutoNum type="arabicPeriod" startAt="9"/>
+              <a:buAutoNum type="arabicPeriod" startAt="11"/>
             </a:pPr>
             <a:r>
               <a:rPr lang="en-GB" sz="3200" dirty="0"/>
-              <a:t>  In Desktop App, Show the diff of conflict and force upload it</a:t>
-            </a:r>
-          </a:p>
-          <a:p>
-            <a:pPr lvl="0">
+              <a:t> Show the diff in Mobile App, correct and upload it</a:t>
+            </a:r>
+          </a:p>
+          <a:p>
+            <a:pPr marL="514350" lvl="0" indent="-514350">
               <a:lnSpc>
                 <a:spcPct val="120000"/>
               </a:lnSpc>
               <a:buFont typeface="+mj-lt"/>
-              <a:buAutoNum type="arabicPeriod" startAt="9"/>
+              <a:buAutoNum type="arabicPeriod" startAt="11"/>
             </a:pPr>
             <a:r>
               <a:rPr lang="en-GB" sz="3200" dirty="0"/>
-              <a:t> Show the diff in Mobile App, correct and upload it</a:t>
-            </a:r>
-          </a:p>
-          <a:p>
-            <a:pPr lvl="0">
+              <a:t> Download &amp; Delete user2_file1 from Desktop App</a:t>
+            </a:r>
+          </a:p>
+          <a:p>
+            <a:pPr marL="514350" lvl="0" indent="-514350">
               <a:lnSpc>
                 <a:spcPct val="120000"/>
               </a:lnSpc>
               <a:buFont typeface="+mj-lt"/>
-              <a:buAutoNum type="arabicPeriod" startAt="9"/>
+              <a:buAutoNum type="arabicPeriod" startAt="11"/>
             </a:pPr>
             <a:r>
               <a:rPr lang="en-GB" sz="3200" dirty="0"/>
-              <a:t> Download &amp; Delete user2_file1 from Desktop App</a:t>
-            </a:r>
-          </a:p>
-          <a:p>
-            <a:pPr lvl="0">
+              <a:t> Refresh Mobile App and show that it was indeed deleted</a:t>
+            </a:r>
+          </a:p>
+          <a:p>
+            <a:pPr marL="514350" lvl="0" indent="-514350">
               <a:lnSpc>
                 <a:spcPct val="120000"/>
               </a:lnSpc>
               <a:buFont typeface="+mj-lt"/>
-              <a:buAutoNum type="arabicPeriod" startAt="9"/>
+              <a:buAutoNum type="arabicPeriod" startAt="11"/>
             </a:pPr>
             <a:r>
               <a:rPr lang="en-GB" sz="3200" dirty="0"/>
-              <a:t> Refresh Mobile App and show that it was indeed deleted</a:t>
+              <a:t>Upload &amp; Download Image and Video files</a:t>
             </a:r>
           </a:p>
           <a:p>
@@ -14272,9 +14289,9 @@
                                       <p:cBhvr override="childStyle">
                                         <p:cTn id="69" dur="500" fill="hold"/>
                                         <p:tgtEl>
-                                          <p:spTgt spid="4">
+                                          <p:spTgt spid="3">
                                             <p:txEl>
-                                              <p:pRg st="0" end="0"/>
+                                              <p:pRg st="9" end="9"/>
                                             </p:txEl>
                                           </p:spTgt>
                                         </p:tgtEl>
@@ -14290,9 +14307,9 @@
                                       <p:cBhvr>
                                         <p:cTn id="70" dur="500" fill="hold"/>
                                         <p:tgtEl>
-                                          <p:spTgt spid="4">
+                                          <p:spTgt spid="3">
                                             <p:txEl>
-                                              <p:pRg st="0" end="0"/>
+                                              <p:pRg st="9" end="9"/>
                                             </p:txEl>
                                           </p:spTgt>
                                         </p:tgtEl>
@@ -14308,9 +14325,9 @@
                                       <p:cBhvr>
                                         <p:cTn id="71" dur="500" fill="hold"/>
                                         <p:tgtEl>
-                                          <p:spTgt spid="4">
+                                          <p:spTgt spid="3">
                                             <p:txEl>
-                                              <p:pRg st="0" end="0"/>
+                                              <p:pRg st="9" end="9"/>
                                             </p:txEl>
                                           </p:spTgt>
                                         </p:tgtEl>
@@ -14326,9 +14343,9 @@
                                       <p:cBhvr>
                                         <p:cTn id="72" dur="500" fill="hold"/>
                                         <p:tgtEl>
-                                          <p:spTgt spid="4">
+                                          <p:spTgt spid="3">
                                             <p:txEl>
-                                              <p:pRg st="0" end="0"/>
+                                              <p:pRg st="9" end="9"/>
                                             </p:txEl>
                                           </p:spTgt>
                                         </p:tgtEl>
@@ -14373,7 +14390,7 @@
                                         <p:tgtEl>
                                           <p:spTgt spid="4">
                                             <p:txEl>
-                                              <p:pRg st="1" end="1"/>
+                                              <p:pRg st="0" end="0"/>
                                             </p:txEl>
                                           </p:spTgt>
                                         </p:tgtEl>
@@ -14391,7 +14408,7 @@
                                         <p:tgtEl>
                                           <p:spTgt spid="4">
                                             <p:txEl>
-                                              <p:pRg st="1" end="1"/>
+                                              <p:pRg st="0" end="0"/>
                                             </p:txEl>
                                           </p:spTgt>
                                         </p:tgtEl>
@@ -14409,7 +14426,7 @@
                                         <p:tgtEl>
                                           <p:spTgt spid="4">
                                             <p:txEl>
-                                              <p:pRg st="1" end="1"/>
+                                              <p:pRg st="0" end="0"/>
                                             </p:txEl>
                                           </p:spTgt>
                                         </p:tgtEl>
@@ -14427,7 +14444,7 @@
                                         <p:tgtEl>
                                           <p:spTgt spid="4">
                                             <p:txEl>
-                                              <p:pRg st="1" end="1"/>
+                                              <p:pRg st="0" end="0"/>
                                             </p:txEl>
                                           </p:spTgt>
                                         </p:tgtEl>
@@ -14472,7 +14489,7 @@
                                         <p:tgtEl>
                                           <p:spTgt spid="4">
                                             <p:txEl>
-                                              <p:pRg st="2" end="2"/>
+                                              <p:pRg st="1" end="1"/>
                                             </p:txEl>
                                           </p:spTgt>
                                         </p:tgtEl>
@@ -14490,7 +14507,7 @@
                                         <p:tgtEl>
                                           <p:spTgt spid="4">
                                             <p:txEl>
-                                              <p:pRg st="2" end="2"/>
+                                              <p:pRg st="1" end="1"/>
                                             </p:txEl>
                                           </p:spTgt>
                                         </p:tgtEl>
@@ -14508,7 +14525,7 @@
                                         <p:tgtEl>
                                           <p:spTgt spid="4">
                                             <p:txEl>
-                                              <p:pRg st="2" end="2"/>
+                                              <p:pRg st="1" end="1"/>
                                             </p:txEl>
                                           </p:spTgt>
                                         </p:tgtEl>
@@ -14526,7 +14543,7 @@
                                         <p:tgtEl>
                                           <p:spTgt spid="4">
                                             <p:txEl>
-                                              <p:pRg st="2" end="2"/>
+                                              <p:pRg st="1" end="1"/>
                                             </p:txEl>
                                           </p:spTgt>
                                         </p:tgtEl>
@@ -14571,7 +14588,7 @@
                                         <p:tgtEl>
                                           <p:spTgt spid="4">
                                             <p:txEl>
-                                              <p:pRg st="3" end="3"/>
+                                              <p:pRg st="2" end="2"/>
                                             </p:txEl>
                                           </p:spTgt>
                                         </p:tgtEl>
@@ -14589,7 +14606,7 @@
                                         <p:tgtEl>
                                           <p:spTgt spid="4">
                                             <p:txEl>
-                                              <p:pRg st="3" end="3"/>
+                                              <p:pRg st="2" end="2"/>
                                             </p:txEl>
                                           </p:spTgt>
                                         </p:tgtEl>
@@ -14607,7 +14624,7 @@
                                         <p:tgtEl>
                                           <p:spTgt spid="4">
                                             <p:txEl>
-                                              <p:pRg st="3" end="3"/>
+                                              <p:pRg st="2" end="2"/>
                                             </p:txEl>
                                           </p:spTgt>
                                         </p:tgtEl>
@@ -14625,7 +14642,7 @@
                                         <p:tgtEl>
                                           <p:spTgt spid="4">
                                             <p:txEl>
-                                              <p:pRg st="3" end="3"/>
+                                              <p:pRg st="2" end="2"/>
                                             </p:txEl>
                                           </p:spTgt>
                                         </p:tgtEl>
@@ -14670,7 +14687,7 @@
                                         <p:tgtEl>
                                           <p:spTgt spid="4">
                                             <p:txEl>
-                                              <p:pRg st="4" end="4"/>
+                                              <p:pRg st="3" end="3"/>
                                             </p:txEl>
                                           </p:spTgt>
                                         </p:tgtEl>
@@ -14688,7 +14705,7 @@
                                         <p:tgtEl>
                                           <p:spTgt spid="4">
                                             <p:txEl>
-                                              <p:pRg st="4" end="4"/>
+                                              <p:pRg st="3" end="3"/>
                                             </p:txEl>
                                           </p:spTgt>
                                         </p:tgtEl>
@@ -14706,7 +14723,7 @@
                                         <p:tgtEl>
                                           <p:spTgt spid="4">
                                             <p:txEl>
-                                              <p:pRg st="4" end="4"/>
+                                              <p:pRg st="3" end="3"/>
                                             </p:txEl>
                                           </p:spTgt>
                                         </p:tgtEl>
@@ -14724,7 +14741,7 @@
                                         <p:tgtEl>
                                           <p:spTgt spid="4">
                                             <p:txEl>
-                                              <p:pRg st="4" end="4"/>
+                                              <p:pRg st="3" end="3"/>
                                             </p:txEl>
                                           </p:spTgt>
                                         </p:tgtEl>
@@ -14769,7 +14786,7 @@
                                         <p:tgtEl>
                                           <p:spTgt spid="4">
                                             <p:txEl>
-                                              <p:pRg st="5" end="5"/>
+                                              <p:pRg st="4" end="4"/>
                                             </p:txEl>
                                           </p:spTgt>
                                         </p:tgtEl>
@@ -14787,7 +14804,7 @@
                                         <p:tgtEl>
                                           <p:spTgt spid="4">
                                             <p:txEl>
-                                              <p:pRg st="5" end="5"/>
+                                              <p:pRg st="4" end="4"/>
                                             </p:txEl>
                                           </p:spTgt>
                                         </p:tgtEl>
@@ -14805,7 +14822,7 @@
                                         <p:tgtEl>
                                           <p:spTgt spid="4">
                                             <p:txEl>
-                                              <p:pRg st="5" end="5"/>
+                                              <p:pRg st="4" end="4"/>
                                             </p:txEl>
                                           </p:spTgt>
                                         </p:tgtEl>
@@ -14823,7 +14840,7 @@
                                         <p:tgtEl>
                                           <p:spTgt spid="4">
                                             <p:txEl>
-                                              <p:pRg st="5" end="5"/>
+                                              <p:pRg st="4" end="4"/>
                                             </p:txEl>
                                           </p:spTgt>
                                         </p:tgtEl>
@@ -14868,7 +14885,7 @@
                                         <p:tgtEl>
                                           <p:spTgt spid="4">
                                             <p:txEl>
-                                              <p:pRg st="6" end="6"/>
+                                              <p:pRg st="5" end="5"/>
                                             </p:txEl>
                                           </p:spTgt>
                                         </p:tgtEl>
@@ -14886,7 +14903,7 @@
                                         <p:tgtEl>
                                           <p:spTgt spid="4">
                                             <p:txEl>
-                                              <p:pRg st="6" end="6"/>
+                                              <p:pRg st="5" end="5"/>
                                             </p:txEl>
                                           </p:spTgt>
                                         </p:tgtEl>
@@ -14904,7 +14921,7 @@
                                         <p:tgtEl>
                                           <p:spTgt spid="4">
                                             <p:txEl>
-                                              <p:pRg st="6" end="6"/>
+                                              <p:pRg st="5" end="5"/>
                                             </p:txEl>
                                           </p:spTgt>
                                         </p:tgtEl>
@@ -14922,7 +14939,7 @@
                                         <p:tgtEl>
                                           <p:spTgt spid="4">
                                             <p:txEl>
-                                              <p:pRg st="6" end="6"/>
+                                              <p:pRg st="5" end="5"/>
                                             </p:txEl>
                                           </p:spTgt>
                                         </p:tgtEl>
@@ -14967,7 +14984,7 @@
                                         <p:tgtEl>
                                           <p:spTgt spid="4">
                                             <p:txEl>
-                                              <p:pRg st="7" end="7"/>
+                                              <p:pRg st="6" end="6"/>
                                             </p:txEl>
                                           </p:spTgt>
                                         </p:tgtEl>
@@ -14985,7 +15002,7 @@
                                         <p:tgtEl>
                                           <p:spTgt spid="4">
                                             <p:txEl>
-                                              <p:pRg st="7" end="7"/>
+                                              <p:pRg st="6" end="6"/>
                                             </p:txEl>
                                           </p:spTgt>
                                         </p:tgtEl>
@@ -15003,6 +15020,105 @@
                                         <p:tgtEl>
                                           <p:spTgt spid="4">
                                             <p:txEl>
+                                              <p:pRg st="6" end="6"/>
+                                            </p:txEl>
+                                          </p:spTgt>
+                                        </p:tgtEl>
+                                        <p:attrNameLst>
+                                          <p:attrName>fill.type</p:attrName>
+                                        </p:attrNameLst>
+                                      </p:cBhvr>
+                                      <p:to>
+                                        <p:strVal val="solid"/>
+                                      </p:to>
+                                    </p:set>
+                                    <p:set>
+                                      <p:cBhvr>
+                                        <p:cTn id="121" dur="500" fill="hold"/>
+                                        <p:tgtEl>
+                                          <p:spTgt spid="4">
+                                            <p:txEl>
+                                              <p:pRg st="6" end="6"/>
+                                            </p:txEl>
+                                          </p:spTgt>
+                                        </p:tgtEl>
+                                        <p:attrNameLst>
+                                          <p:attrName>fill.on</p:attrName>
+                                        </p:attrNameLst>
+                                      </p:cBhvr>
+                                      <p:to>
+                                        <p:strVal val="true"/>
+                                      </p:to>
+                                    </p:set>
+                                  </p:childTnLst>
+                                </p:cTn>
+                              </p:par>
+                            </p:childTnLst>
+                          </p:cTn>
+                        </p:par>
+                      </p:childTnLst>
+                    </p:cTn>
+                  </p:par>
+                  <p:par>
+                    <p:cTn id="122" fill="hold">
+                      <p:stCondLst>
+                        <p:cond delay="indefinite"/>
+                      </p:stCondLst>
+                      <p:childTnLst>
+                        <p:par>
+                          <p:cTn id="123" fill="hold">
+                            <p:stCondLst>
+                              <p:cond delay="0"/>
+                            </p:stCondLst>
+                            <p:childTnLst>
+                              <p:par>
+                                <p:cTn id="124" presetID="19" presetClass="emph" presetSubtype="0" fill="hold" nodeType="clickEffect">
+                                  <p:stCondLst>
+                                    <p:cond delay="0"/>
+                                  </p:stCondLst>
+                                  <p:childTnLst>
+                                    <p:animClr clrSpc="rgb" dir="cw">
+                                      <p:cBhvr override="childStyle">
+                                        <p:cTn id="125" dur="500" fill="hold"/>
+                                        <p:tgtEl>
+                                          <p:spTgt spid="4">
+                                            <p:txEl>
+                                              <p:pRg st="7" end="7"/>
+                                            </p:txEl>
+                                          </p:spTgt>
+                                        </p:tgtEl>
+                                        <p:attrNameLst>
+                                          <p:attrName>style.color</p:attrName>
+                                        </p:attrNameLst>
+                                      </p:cBhvr>
+                                      <p:to>
+                                        <a:srgbClr val="FF0000"/>
+                                      </p:to>
+                                    </p:animClr>
+                                    <p:animClr clrSpc="rgb" dir="cw">
+                                      <p:cBhvr>
+                                        <p:cTn id="126" dur="500" fill="hold"/>
+                                        <p:tgtEl>
+                                          <p:spTgt spid="4">
+                                            <p:txEl>
+                                              <p:pRg st="7" end="7"/>
+                                            </p:txEl>
+                                          </p:spTgt>
+                                        </p:tgtEl>
+                                        <p:attrNameLst>
+                                          <p:attrName>fillcolor</p:attrName>
+                                        </p:attrNameLst>
+                                      </p:cBhvr>
+                                      <p:to>
+                                        <a:srgbClr val="FF0000"/>
+                                      </p:to>
+                                    </p:animClr>
+                                    <p:set>
+                                      <p:cBhvr>
+                                        <p:cTn id="127" dur="500" fill="hold"/>
+                                        <p:tgtEl>
+                                          <p:spTgt spid="4">
+                                            <p:txEl>
                                               <p:pRg st="7" end="7"/>
                                             </p:txEl>
                                           </p:spTgt>
@@ -15017,7 +15133,7 @@
                                     </p:set>
                                     <p:set>
                                       <p:cBhvr>
-                                        <p:cTn id="121" dur="500" fill="hold"/>
+                                        <p:cTn id="128" dur="500" fill="hold"/>
                                         <p:tgtEl>
                                           <p:spTgt spid="4">
                                             <p:txEl>
